--- a/presentation/3. Final Presentazion/Final Presentation.pptx
+++ b/presentation/3. Final Presentazion/Final Presentation.pptx
@@ -217,7 +217,7 @@
           <a:p>
             <a:fld id="{78E6DE4B-9BCB-B04C-A77A-65D42B908F6C}" type="datetimeFigureOut">
               <a:rPr lang="en-US" smtClean="0"/>
-              <a:t>2/28/17</a:t>
+              <a:t>3/1/17</a:t>
             </a:fld>
             <a:endParaRPr lang="en-US"/>
           </a:p>
@@ -560,6 +560,119 @@
     <p:extLst>
       <p:ext uri="{BB962C8B-B14F-4D97-AF65-F5344CB8AC3E}">
         <p14:creationId xmlns:p14="http://schemas.microsoft.com/office/powerpoint/2010/main" val="731597813"/>
+      </p:ext>
+    </p:extLst>
+  </p:cSld>
+  <p:clrMapOvr>
+    <a:masterClrMapping/>
+  </p:clrMapOvr>
+</p:notes>
+</file>
+
+<file path=ppt/notesSlides/notesSlide2.xml><?xml version="1.0" encoding="utf-8"?>
+<p:notes xmlns:a="http://schemas.openxmlformats.org/drawingml/2006/main" xmlns:r="http://schemas.openxmlformats.org/officeDocument/2006/relationships" xmlns:p="http://schemas.openxmlformats.org/presentationml/2006/main">
+  <p:cSld>
+    <p:spTree>
+      <p:nvGrpSpPr>
+        <p:cNvPr id="1" name=""/>
+        <p:cNvGrpSpPr/>
+        <p:nvPr/>
+      </p:nvGrpSpPr>
+      <p:grpSpPr>
+        <a:xfrm>
+          <a:off x="0" y="0"/>
+          <a:ext cx="0" cy="0"/>
+          <a:chOff x="0" y="0"/>
+          <a:chExt cx="0" cy="0"/>
+        </a:xfrm>
+      </p:grpSpPr>
+      <p:sp>
+        <p:nvSpPr>
+          <p:cNvPr id="2" name="Slide Image Placeholder 1"/>
+          <p:cNvSpPr>
+            <a:spLocks noGrp="1" noRot="1" noChangeAspect="1"/>
+          </p:cNvSpPr>
+          <p:nvPr>
+            <p:ph type="sldImg"/>
+          </p:nvPr>
+        </p:nvSpPr>
+        <p:spPr/>
+      </p:sp>
+      <p:sp>
+        <p:nvSpPr>
+          <p:cNvPr id="3" name="Notes Placeholder 2"/>
+          <p:cNvSpPr>
+            <a:spLocks noGrp="1"/>
+          </p:cNvSpPr>
+          <p:nvPr>
+            <p:ph type="body" idx="1"/>
+          </p:nvPr>
+        </p:nvSpPr>
+        <p:spPr/>
+        <p:txBody>
+          <a:bodyPr/>
+          <a:lstStyle/>
+          <a:p>
+            <a:pPr marL="0" marR="0" indent="0" algn="l" defTabSz="914400" rtl="0" eaLnBrk="1" fontAlgn="auto" latinLnBrk="0" hangingPunct="1">
+              <a:lnSpc>
+                <a:spcPct val="100000"/>
+              </a:lnSpc>
+              <a:spcBef>
+                <a:spcPts val="0"/>
+              </a:spcBef>
+              <a:spcAft>
+                <a:spcPts val="0"/>
+              </a:spcAft>
+              <a:buClrTx/>
+              <a:buSzTx/>
+              <a:buFontTx/>
+              <a:buNone/>
+              <a:tabLst/>
+              <a:defRPr/>
+            </a:pPr>
+            <a:r>
+              <a:rPr lang="en-US" sz="1200" kern="1200" dirty="0" smtClean="0">
+                <a:solidFill>
+                  <a:schemeClr val="tx1"/>
+                </a:solidFill>
+                <a:effectLst/>
+                <a:latin typeface="+mn-lt"/>
+                <a:ea typeface="+mn-ea"/>
+                <a:cs typeface="+mn-cs"/>
+              </a:rPr>
+              <a:t>C1*: the car is parked more than 3 km away from a power grid or having less than 20% of its battery. </a:t>
+            </a:r>
+            <a:endParaRPr lang="en-US" dirty="0" smtClean="0"/>
+          </a:p>
+        </p:txBody>
+      </p:sp>
+      <p:sp>
+        <p:nvSpPr>
+          <p:cNvPr id="4" name="Slide Number Placeholder 3"/>
+          <p:cNvSpPr>
+            <a:spLocks noGrp="1"/>
+          </p:cNvSpPr>
+          <p:nvPr>
+            <p:ph type="sldNum" sz="quarter" idx="10"/>
+          </p:nvPr>
+        </p:nvSpPr>
+        <p:spPr/>
+        <p:txBody>
+          <a:bodyPr/>
+          <a:lstStyle/>
+          <a:p>
+            <a:fld id="{9C7B8FE5-7294-E64C-81FC-B3E911AE95D4}" type="slidenum">
+              <a:rPr lang="en-US" smtClean="0"/>
+              <a:t>5</a:t>
+            </a:fld>
+            <a:endParaRPr lang="en-US"/>
+          </a:p>
+        </p:txBody>
+      </p:sp>
+    </p:spTree>
+    <p:extLst>
+      <p:ext uri="{BB962C8B-B14F-4D97-AF65-F5344CB8AC3E}">
+        <p14:creationId xmlns:p14="http://schemas.microsoft.com/office/powerpoint/2010/main" val="1956252011"/>
       </p:ext>
     </p:extLst>
   </p:cSld>
@@ -6765,30 +6878,6 @@
       </p:sp>
       <p:sp>
         <p:nvSpPr>
-          <p:cNvPr id="8" name="Slide Number Placeholder 7"/>
-          <p:cNvSpPr>
-            <a:spLocks noGrp="1"/>
-          </p:cNvSpPr>
-          <p:nvPr>
-            <p:ph type="sldNum" sz="quarter" idx="12"/>
-          </p:nvPr>
-        </p:nvSpPr>
-        <p:spPr/>
-        <p:txBody>
-          <a:bodyPr/>
-          <a:lstStyle/>
-          <a:p>
-            <a:fld id="{D57F1E4F-1CFF-5643-939E-217C01CDF565}" type="slidenum">
-              <a:rPr lang="en-US" sz="1400" smtClean="0"/>
-              <a:pPr/>
-              <a:t>1</a:t>
-            </a:fld>
-            <a:endParaRPr lang="en-US" sz="1400" dirty="0"/>
-          </a:p>
-        </p:txBody>
-      </p:sp>
-      <p:sp>
-        <p:nvSpPr>
           <p:cNvPr id="9" name="Subtitle 2"/>
           <p:cNvSpPr txBox="1">
             <a:spLocks/>
@@ -7606,7 +7695,15 @@
                 <a:ea typeface="Helvetica Neue" charset="0"/>
                 <a:cs typeface="Helvetica Neue" charset="0"/>
               </a:rPr>
-              <a:t>Their interaction </a:t>
+              <a:t>Their interaction is largely </a:t>
+            </a:r>
+            <a:r>
+              <a:rPr lang="en-US" sz="2500" b="1" dirty="0" smtClean="0">
+                <a:latin typeface="Helvetica Neue" charset="0"/>
+                <a:ea typeface="Helvetica Neue" charset="0"/>
+                <a:cs typeface="Helvetica Neue" charset="0"/>
+              </a:rPr>
+              <a:t>event-centric</a:t>
             </a:r>
             <a:r>
               <a:rPr lang="en-US" sz="2500" dirty="0" smtClean="0">
@@ -7614,7 +7711,7 @@
                 <a:ea typeface="Helvetica Neue" charset="0"/>
                 <a:cs typeface="Helvetica Neue" charset="0"/>
               </a:rPr>
-              <a:t>is largely event-centric:</a:t>
+              <a:t>:</a:t>
             </a:r>
           </a:p>
           <a:p>
@@ -10169,7 +10266,7 @@
         <p:spPr>
           <a:xfrm>
             <a:off x="4787900" y="1898162"/>
-            <a:ext cx="6983653" cy="3435838"/>
+            <a:ext cx="6983653" cy="3791438"/>
           </a:xfrm>
         </p:spPr>
         <p:txBody>
@@ -10201,8 +10298,21 @@
                 <a:ea typeface="Helvetica Neue" charset="0"/>
                 <a:cs typeface="Helvetica Neue" charset="0"/>
               </a:rPr>
-              <a:t>Supports event-driven architecture</a:t>
-            </a:r>
+              <a:t>Supports event-driven </a:t>
+            </a:r>
+            <a:r>
+              <a:rPr lang="en-US" sz="2500" dirty="0" smtClean="0">
+                <a:latin typeface="Helvetica Neue" charset="0"/>
+                <a:ea typeface="Helvetica Neue" charset="0"/>
+                <a:cs typeface="Helvetica Neue" charset="0"/>
+              </a:rPr>
+              <a:t>architecture (Java Message Service)</a:t>
+            </a:r>
+            <a:endParaRPr lang="en-US" sz="2500" dirty="0" smtClean="0">
+              <a:latin typeface="Helvetica Neue" charset="0"/>
+              <a:ea typeface="Helvetica Neue" charset="0"/>
+              <a:cs typeface="Helvetica Neue" charset="0"/>
+            </a:endParaRPr>
           </a:p>
           <a:p>
             <a:endParaRPr lang="en-US" sz="2500" dirty="0" smtClean="0">
@@ -10963,7 +11073,7 @@
       </p:sp>
       <p:pic>
         <p:nvPicPr>
-          <p:cNvPr id="2" name="Picture 1"/>
+          <p:cNvPr id="3" name="Picture 2"/>
           <p:cNvPicPr>
             <a:picLocks noChangeAspect="1"/>
           </p:cNvPicPr>
@@ -10983,8 +11093,8 @@
         </p:blipFill>
         <p:spPr>
           <a:xfrm>
-            <a:off x="1954248" y="1206474"/>
-            <a:ext cx="8337719" cy="5534657"/>
+            <a:off x="1954247" y="1168156"/>
+            <a:ext cx="8337720" cy="5534658"/>
           </a:xfrm>
           <a:prstGeom prst="rect">
             <a:avLst/>
@@ -14384,7 +14494,7 @@
                                 </p:cTn>
                               </p:par>
                               <p:par>
-                                <p:cTn id="37" presetID="9" presetClass="entr" presetSubtype="0" fill="hold" nodeType="withEffect">
+                                <p:cTn id="37" presetID="9" presetClass="entr" presetSubtype="0" fill="hold" grpId="0" nodeType="withEffect">
                                   <p:stCondLst>
                                     <p:cond delay="0"/>
                                   </p:stCondLst>
@@ -14392,6 +14502,182 @@
                                     <p:set>
                                       <p:cBhvr>
                                         <p:cTn id="38" dur="1" fill="hold">
+                                          <p:stCondLst>
+                                            <p:cond delay="0"/>
+                                          </p:stCondLst>
+                                        </p:cTn>
+                                        <p:tgtEl>
+                                          <p:spTgt spid="42"/>
+                                        </p:tgtEl>
+                                        <p:attrNameLst>
+                                          <p:attrName>style.visibility</p:attrName>
+                                        </p:attrNameLst>
+                                      </p:cBhvr>
+                                      <p:to>
+                                        <p:strVal val="visible"/>
+                                      </p:to>
+                                    </p:set>
+                                    <p:animEffect transition="in" filter="dissolve">
+                                      <p:cBhvr>
+                                        <p:cTn id="39" dur="500"/>
+                                        <p:tgtEl>
+                                          <p:spTgt spid="42"/>
+                                        </p:tgtEl>
+                                      </p:cBhvr>
+                                    </p:animEffect>
+                                  </p:childTnLst>
+                                </p:cTn>
+                              </p:par>
+                            </p:childTnLst>
+                          </p:cTn>
+                        </p:par>
+                      </p:childTnLst>
+                    </p:cTn>
+                  </p:par>
+                  <p:par>
+                    <p:cTn id="40" fill="hold">
+                      <p:stCondLst>
+                        <p:cond delay="indefinite"/>
+                      </p:stCondLst>
+                      <p:childTnLst>
+                        <p:par>
+                          <p:cTn id="41" fill="hold">
+                            <p:stCondLst>
+                              <p:cond delay="0"/>
+                            </p:stCondLst>
+                            <p:childTnLst>
+                              <p:par>
+                                <p:cTn id="42" presetID="9" presetClass="entr" presetSubtype="0" fill="hold" grpId="0" nodeType="clickEffect">
+                                  <p:stCondLst>
+                                    <p:cond delay="0"/>
+                                  </p:stCondLst>
+                                  <p:childTnLst>
+                                    <p:set>
+                                      <p:cBhvr>
+                                        <p:cTn id="43" dur="1" fill="hold">
+                                          <p:stCondLst>
+                                            <p:cond delay="0"/>
+                                          </p:stCondLst>
+                                        </p:cTn>
+                                        <p:tgtEl>
+                                          <p:spTgt spid="43"/>
+                                        </p:tgtEl>
+                                        <p:attrNameLst>
+                                          <p:attrName>style.visibility</p:attrName>
+                                        </p:attrNameLst>
+                                      </p:cBhvr>
+                                      <p:to>
+                                        <p:strVal val="visible"/>
+                                      </p:to>
+                                    </p:set>
+                                    <p:animEffect transition="in" filter="dissolve">
+                                      <p:cBhvr>
+                                        <p:cTn id="44" dur="500"/>
+                                        <p:tgtEl>
+                                          <p:spTgt spid="43"/>
+                                        </p:tgtEl>
+                                      </p:cBhvr>
+                                    </p:animEffect>
+                                  </p:childTnLst>
+                                </p:cTn>
+                              </p:par>
+                              <p:par>
+                                <p:cTn id="45" presetID="9" presetClass="entr" presetSubtype="0" fill="hold" grpId="0" nodeType="withEffect">
+                                  <p:stCondLst>
+                                    <p:cond delay="0"/>
+                                  </p:stCondLst>
+                                  <p:childTnLst>
+                                    <p:set>
+                                      <p:cBhvr>
+                                        <p:cTn id="46" dur="1" fill="hold">
+                                          <p:stCondLst>
+                                            <p:cond delay="0"/>
+                                          </p:stCondLst>
+                                        </p:cTn>
+                                        <p:tgtEl>
+                                          <p:spTgt spid="55"/>
+                                        </p:tgtEl>
+                                        <p:attrNameLst>
+                                          <p:attrName>style.visibility</p:attrName>
+                                        </p:attrNameLst>
+                                      </p:cBhvr>
+                                      <p:to>
+                                        <p:strVal val="visible"/>
+                                      </p:to>
+                                    </p:set>
+                                    <p:animEffect transition="in" filter="dissolve">
+                                      <p:cBhvr>
+                                        <p:cTn id="47" dur="500"/>
+                                        <p:tgtEl>
+                                          <p:spTgt spid="55"/>
+                                        </p:tgtEl>
+                                      </p:cBhvr>
+                                    </p:animEffect>
+                                  </p:childTnLst>
+                                </p:cTn>
+                              </p:par>
+                              <p:par>
+                                <p:cTn id="48" presetID="9" presetClass="entr" presetSubtype="0" fill="hold" grpId="0" nodeType="withEffect">
+                                  <p:stCondLst>
+                                    <p:cond delay="0"/>
+                                  </p:stCondLst>
+                                  <p:childTnLst>
+                                    <p:set>
+                                      <p:cBhvr>
+                                        <p:cTn id="49" dur="1" fill="hold">
+                                          <p:stCondLst>
+                                            <p:cond delay="0"/>
+                                          </p:stCondLst>
+                                        </p:cTn>
+                                        <p:tgtEl>
+                                          <p:spTgt spid="28"/>
+                                        </p:tgtEl>
+                                        <p:attrNameLst>
+                                          <p:attrName>style.visibility</p:attrName>
+                                        </p:attrNameLst>
+                                      </p:cBhvr>
+                                      <p:to>
+                                        <p:strVal val="visible"/>
+                                      </p:to>
+                                    </p:set>
+                                    <p:animEffect transition="in" filter="dissolve">
+                                      <p:cBhvr>
+                                        <p:cTn id="50" dur="500"/>
+                                        <p:tgtEl>
+                                          <p:spTgt spid="28"/>
+                                        </p:tgtEl>
+                                      </p:cBhvr>
+                                    </p:animEffect>
+                                  </p:childTnLst>
+                                </p:cTn>
+                              </p:par>
+                            </p:childTnLst>
+                          </p:cTn>
+                        </p:par>
+                      </p:childTnLst>
+                    </p:cTn>
+                  </p:par>
+                  <p:par>
+                    <p:cTn id="51" fill="hold">
+                      <p:stCondLst>
+                        <p:cond delay="indefinite"/>
+                      </p:stCondLst>
+                      <p:childTnLst>
+                        <p:par>
+                          <p:cTn id="52" fill="hold">
+                            <p:stCondLst>
+                              <p:cond delay="0"/>
+                            </p:stCondLst>
+                            <p:childTnLst>
+                              <p:par>
+                                <p:cTn id="53" presetID="9" presetClass="entr" presetSubtype="0" fill="hold" nodeType="clickEffect">
+                                  <p:stCondLst>
+                                    <p:cond delay="0"/>
+                                  </p:stCondLst>
+                                  <p:childTnLst>
+                                    <p:set>
+                                      <p:cBhvr>
+                                        <p:cTn id="54" dur="1" fill="hold">
                                           <p:stCondLst>
                                             <p:cond delay="0"/>
                                           </p:stCondLst>
@@ -14409,7 +14695,7 @@
                                     </p:set>
                                     <p:animEffect transition="in" filter="dissolve">
                                       <p:cBhvr>
-                                        <p:cTn id="39" dur="500"/>
+                                        <p:cTn id="55" dur="500"/>
                                         <p:tgtEl>
                                           <p:spTgt spid="37"/>
                                         </p:tgtEl>
@@ -14419,154 +14705,14 @@
                                 </p:cTn>
                               </p:par>
                               <p:par>
-                                <p:cTn id="40" presetID="9" presetClass="entr" presetSubtype="0" fill="hold" grpId="0" nodeType="withEffect">
+                                <p:cTn id="56" presetID="9" presetClass="entr" presetSubtype="0" fill="hold" grpId="0" nodeType="withEffect">
                                   <p:stCondLst>
                                     <p:cond delay="0"/>
                                   </p:stCondLst>
                                   <p:childTnLst>
                                     <p:set>
                                       <p:cBhvr>
-                                        <p:cTn id="41" dur="1" fill="hold">
-                                          <p:stCondLst>
-                                            <p:cond delay="0"/>
-                                          </p:stCondLst>
-                                        </p:cTn>
-                                        <p:tgtEl>
-                                          <p:spTgt spid="42"/>
-                                        </p:tgtEl>
-                                        <p:attrNameLst>
-                                          <p:attrName>style.visibility</p:attrName>
-                                        </p:attrNameLst>
-                                      </p:cBhvr>
-                                      <p:to>
-                                        <p:strVal val="visible"/>
-                                      </p:to>
-                                    </p:set>
-                                    <p:animEffect transition="in" filter="dissolve">
-                                      <p:cBhvr>
-                                        <p:cTn id="42" dur="500"/>
-                                        <p:tgtEl>
-                                          <p:spTgt spid="42"/>
-                                        </p:tgtEl>
-                                      </p:cBhvr>
-                                    </p:animEffect>
-                                  </p:childTnLst>
-                                </p:cTn>
-                              </p:par>
-                              <p:par>
-                                <p:cTn id="43" presetID="9" presetClass="entr" presetSubtype="0" fill="hold" grpId="0" nodeType="withEffect">
-                                  <p:stCondLst>
-                                    <p:cond delay="0"/>
-                                  </p:stCondLst>
-                                  <p:childTnLst>
-                                    <p:set>
-                                      <p:cBhvr>
-                                        <p:cTn id="44" dur="1" fill="hold">
-                                          <p:stCondLst>
-                                            <p:cond delay="0"/>
-                                          </p:stCondLst>
-                                        </p:cTn>
-                                        <p:tgtEl>
-                                          <p:spTgt spid="55"/>
-                                        </p:tgtEl>
-                                        <p:attrNameLst>
-                                          <p:attrName>style.visibility</p:attrName>
-                                        </p:attrNameLst>
-                                      </p:cBhvr>
-                                      <p:to>
-                                        <p:strVal val="visible"/>
-                                      </p:to>
-                                    </p:set>
-                                    <p:animEffect transition="in" filter="dissolve">
-                                      <p:cBhvr>
-                                        <p:cTn id="45" dur="500"/>
-                                        <p:tgtEl>
-                                          <p:spTgt spid="55"/>
-                                        </p:tgtEl>
-                                      </p:cBhvr>
-                                    </p:animEffect>
-                                  </p:childTnLst>
-                                </p:cTn>
-                              </p:par>
-                              <p:par>
-                                <p:cTn id="46" presetID="9" presetClass="entr" presetSubtype="0" fill="hold" grpId="0" nodeType="withEffect">
-                                  <p:stCondLst>
-                                    <p:cond delay="0"/>
-                                  </p:stCondLst>
-                                  <p:childTnLst>
-                                    <p:set>
-                                      <p:cBhvr>
-                                        <p:cTn id="47" dur="1" fill="hold">
-                                          <p:stCondLst>
-                                            <p:cond delay="0"/>
-                                          </p:stCondLst>
-                                        </p:cTn>
-                                        <p:tgtEl>
-                                          <p:spTgt spid="43"/>
-                                        </p:tgtEl>
-                                        <p:attrNameLst>
-                                          <p:attrName>style.visibility</p:attrName>
-                                        </p:attrNameLst>
-                                      </p:cBhvr>
-                                      <p:to>
-                                        <p:strVal val="visible"/>
-                                      </p:to>
-                                    </p:set>
-                                    <p:animEffect transition="in" filter="dissolve">
-                                      <p:cBhvr>
-                                        <p:cTn id="48" dur="500"/>
-                                        <p:tgtEl>
-                                          <p:spTgt spid="43"/>
-                                        </p:tgtEl>
-                                      </p:cBhvr>
-                                    </p:animEffect>
-                                  </p:childTnLst>
-                                </p:cTn>
-                              </p:par>
-                              <p:par>
-                                <p:cTn id="49" presetID="9" presetClass="entr" presetSubtype="0" fill="hold" grpId="0" nodeType="withEffect">
-                                  <p:stCondLst>
-                                    <p:cond delay="0"/>
-                                  </p:stCondLst>
-                                  <p:childTnLst>
-                                    <p:set>
-                                      <p:cBhvr>
-                                        <p:cTn id="50" dur="1" fill="hold">
-                                          <p:stCondLst>
-                                            <p:cond delay="0"/>
-                                          </p:stCondLst>
-                                        </p:cTn>
-                                        <p:tgtEl>
-                                          <p:spTgt spid="28"/>
-                                        </p:tgtEl>
-                                        <p:attrNameLst>
-                                          <p:attrName>style.visibility</p:attrName>
-                                        </p:attrNameLst>
-                                      </p:cBhvr>
-                                      <p:to>
-                                        <p:strVal val="visible"/>
-                                      </p:to>
-                                    </p:set>
-                                    <p:animEffect transition="in" filter="dissolve">
-                                      <p:cBhvr>
-                                        <p:cTn id="51" dur="500"/>
-                                        <p:tgtEl>
-                                          <p:spTgt spid="28"/>
-                                        </p:tgtEl>
-                                      </p:cBhvr>
-                                    </p:animEffect>
-                                  </p:childTnLst>
-                                </p:cTn>
-                              </p:par>
-                              <p:par>
-                                <p:cTn id="52" presetID="9" presetClass="entr" presetSubtype="0" fill="hold" grpId="0" nodeType="withEffect">
-                                  <p:stCondLst>
-                                    <p:cond delay="0"/>
-                                  </p:stCondLst>
-                                  <p:childTnLst>
-                                    <p:set>
-                                      <p:cBhvr>
-                                        <p:cTn id="53" dur="1" fill="hold">
+                                        <p:cTn id="57" dur="1" fill="hold">
                                           <p:stCondLst>
                                             <p:cond delay="0"/>
                                           </p:stCondLst>
@@ -14584,7 +14730,7 @@
                                     </p:set>
                                     <p:animEffect transition="in" filter="dissolve">
                                       <p:cBhvr>
-                                        <p:cTn id="54" dur="500"/>
+                                        <p:cTn id="58" dur="500"/>
                                         <p:tgtEl>
                                           <p:spTgt spid="57"/>
                                         </p:tgtEl>
@@ -14594,14 +14740,14 @@
                                 </p:cTn>
                               </p:par>
                               <p:par>
-                                <p:cTn id="55" presetID="9" presetClass="entr" presetSubtype="0" fill="hold" grpId="0" nodeType="withEffect">
+                                <p:cTn id="59" presetID="9" presetClass="entr" presetSubtype="0" fill="hold" grpId="0" nodeType="withEffect">
                                   <p:stCondLst>
                                     <p:cond delay="0"/>
                                   </p:stCondLst>
                                   <p:childTnLst>
                                     <p:set>
                                       <p:cBhvr>
-                                        <p:cTn id="56" dur="1" fill="hold">
+                                        <p:cTn id="60" dur="1" fill="hold">
                                           <p:stCondLst>
                                             <p:cond delay="0"/>
                                           </p:stCondLst>
@@ -14619,7 +14765,7 @@
                                     </p:set>
                                     <p:animEffect transition="in" filter="dissolve">
                                       <p:cBhvr>
-                                        <p:cTn id="57" dur="500"/>
+                                        <p:cTn id="61" dur="500"/>
                                         <p:tgtEl>
                                           <p:spTgt spid="26"/>
                                         </p:tgtEl>
@@ -14635,26 +14781,26 @@
                     </p:cTn>
                   </p:par>
                   <p:par>
-                    <p:cTn id="58" fill="hold">
+                    <p:cTn id="62" fill="hold">
                       <p:stCondLst>
                         <p:cond delay="indefinite"/>
                       </p:stCondLst>
                       <p:childTnLst>
                         <p:par>
-                          <p:cTn id="59" fill="hold">
+                          <p:cTn id="63" fill="hold">
                             <p:stCondLst>
                               <p:cond delay="0"/>
                             </p:stCondLst>
                             <p:childTnLst>
                               <p:par>
-                                <p:cTn id="60" presetID="9" presetClass="entr" presetSubtype="0" fill="hold" grpId="0" nodeType="clickEffect">
+                                <p:cTn id="64" presetID="9" presetClass="entr" presetSubtype="0" fill="hold" grpId="0" nodeType="clickEffect">
                                   <p:stCondLst>
                                     <p:cond delay="0"/>
                                   </p:stCondLst>
                                   <p:childTnLst>
                                     <p:set>
                                       <p:cBhvr>
-                                        <p:cTn id="61" dur="1" fill="hold">
+                                        <p:cTn id="65" dur="1" fill="hold">
                                           <p:stCondLst>
                                             <p:cond delay="0"/>
                                           </p:stCondLst>
@@ -14672,7 +14818,7 @@
                                     </p:set>
                                     <p:animEffect transition="in" filter="dissolve">
                                       <p:cBhvr>
-                                        <p:cTn id="62" dur="500"/>
+                                        <p:cTn id="66" dur="500"/>
                                         <p:tgtEl>
                                           <p:spTgt spid="50"/>
                                         </p:tgtEl>
@@ -14682,14 +14828,14 @@
                                 </p:cTn>
                               </p:par>
                               <p:par>
-                                <p:cTn id="63" presetID="9" presetClass="entr" presetSubtype="0" fill="hold" grpId="0" nodeType="withEffect">
+                                <p:cTn id="67" presetID="9" presetClass="entr" presetSubtype="0" fill="hold" grpId="0" nodeType="withEffect">
                                   <p:stCondLst>
                                     <p:cond delay="0"/>
                                   </p:stCondLst>
                                   <p:childTnLst>
                                     <p:set>
                                       <p:cBhvr>
-                                        <p:cTn id="64" dur="1" fill="hold">
+                                        <p:cTn id="68" dur="1" fill="hold">
                                           <p:stCondLst>
                                             <p:cond delay="0"/>
                                           </p:stCondLst>
@@ -14707,7 +14853,7 @@
                                     </p:set>
                                     <p:animEffect transition="in" filter="dissolve">
                                       <p:cBhvr>
-                                        <p:cTn id="65" dur="500"/>
+                                        <p:cTn id="69" dur="500"/>
                                         <p:tgtEl>
                                           <p:spTgt spid="58"/>
                                         </p:tgtEl>
@@ -14723,26 +14869,26 @@
                     </p:cTn>
                   </p:par>
                   <p:par>
-                    <p:cTn id="66" fill="hold">
+                    <p:cTn id="70" fill="hold">
                       <p:stCondLst>
                         <p:cond delay="indefinite"/>
                       </p:stCondLst>
                       <p:childTnLst>
                         <p:par>
-                          <p:cTn id="67" fill="hold">
+                          <p:cTn id="71" fill="hold">
                             <p:stCondLst>
                               <p:cond delay="0"/>
                             </p:stCondLst>
                             <p:childTnLst>
                               <p:par>
-                                <p:cTn id="68" presetID="9" presetClass="entr" presetSubtype="0" fill="hold" grpId="0" nodeType="clickEffect">
+                                <p:cTn id="72" presetID="9" presetClass="entr" presetSubtype="0" fill="hold" grpId="0" nodeType="clickEffect">
                                   <p:stCondLst>
                                     <p:cond delay="0"/>
                                   </p:stCondLst>
                                   <p:childTnLst>
                                     <p:set>
                                       <p:cBhvr>
-                                        <p:cTn id="69" dur="1" fill="hold">
+                                        <p:cTn id="73" dur="1" fill="hold">
                                           <p:stCondLst>
                                             <p:cond delay="0"/>
                                           </p:stCondLst>
@@ -14760,7 +14906,7 @@
                                     </p:set>
                                     <p:animEffect transition="in" filter="dissolve">
                                       <p:cBhvr>
-                                        <p:cTn id="70" dur="500"/>
+                                        <p:cTn id="74" dur="500"/>
                                         <p:tgtEl>
                                           <p:spTgt spid="59"/>
                                         </p:tgtEl>
@@ -14770,14 +14916,14 @@
                                 </p:cTn>
                               </p:par>
                               <p:par>
-                                <p:cTn id="71" presetID="9" presetClass="entr" presetSubtype="0" fill="hold" grpId="0" nodeType="withEffect">
+                                <p:cTn id="75" presetID="9" presetClass="entr" presetSubtype="0" fill="hold" grpId="0" nodeType="withEffect">
                                   <p:stCondLst>
                                     <p:cond delay="0"/>
                                   </p:stCondLst>
                                   <p:childTnLst>
                                     <p:set>
                                       <p:cBhvr>
-                                        <p:cTn id="72" dur="1" fill="hold">
+                                        <p:cTn id="76" dur="1" fill="hold">
                                           <p:stCondLst>
                                             <p:cond delay="0"/>
                                           </p:stCondLst>
@@ -14795,7 +14941,7 @@
                                     </p:set>
                                     <p:animEffect transition="in" filter="dissolve">
                                       <p:cBhvr>
-                                        <p:cTn id="73" dur="500"/>
+                                        <p:cTn id="77" dur="500"/>
                                         <p:tgtEl>
                                           <p:spTgt spid="49"/>
                                         </p:tgtEl>
@@ -14811,26 +14957,26 @@
                     </p:cTn>
                   </p:par>
                   <p:par>
-                    <p:cTn id="74" fill="hold">
+                    <p:cTn id="78" fill="hold">
                       <p:stCondLst>
                         <p:cond delay="indefinite"/>
                       </p:stCondLst>
                       <p:childTnLst>
                         <p:par>
-                          <p:cTn id="75" fill="hold">
+                          <p:cTn id="79" fill="hold">
                             <p:stCondLst>
                               <p:cond delay="0"/>
                             </p:stCondLst>
                             <p:childTnLst>
                               <p:par>
-                                <p:cTn id="76" presetID="9" presetClass="entr" presetSubtype="0" fill="hold" nodeType="clickEffect">
+                                <p:cTn id="80" presetID="9" presetClass="entr" presetSubtype="0" fill="hold" nodeType="clickEffect">
                                   <p:stCondLst>
                                     <p:cond delay="0"/>
                                   </p:stCondLst>
                                   <p:childTnLst>
                                     <p:set>
                                       <p:cBhvr>
-                                        <p:cTn id="77" dur="1" fill="hold">
+                                        <p:cTn id="81" dur="1" fill="hold">
                                           <p:stCondLst>
                                             <p:cond delay="0"/>
                                           </p:stCondLst>
@@ -14848,7 +14994,7 @@
                                     </p:set>
                                     <p:animEffect transition="in" filter="dissolve">
                                       <p:cBhvr>
-                                        <p:cTn id="78" dur="500"/>
+                                        <p:cTn id="82" dur="500"/>
                                         <p:tgtEl>
                                           <p:spTgt spid="45"/>
                                         </p:tgtEl>
@@ -14858,14 +15004,14 @@
                                 </p:cTn>
                               </p:par>
                               <p:par>
-                                <p:cTn id="79" presetID="9" presetClass="entr" presetSubtype="0" fill="hold" grpId="0" nodeType="withEffect">
+                                <p:cTn id="83" presetID="9" presetClass="entr" presetSubtype="0" fill="hold" grpId="0" nodeType="withEffect">
                                   <p:stCondLst>
                                     <p:cond delay="0"/>
                                   </p:stCondLst>
                                   <p:childTnLst>
                                     <p:set>
                                       <p:cBhvr>
-                                        <p:cTn id="80" dur="1" fill="hold">
+                                        <p:cTn id="84" dur="1" fill="hold">
                                           <p:stCondLst>
                                             <p:cond delay="0"/>
                                           </p:stCondLst>
@@ -14883,7 +15029,7 @@
                                     </p:set>
                                     <p:animEffect transition="in" filter="dissolve">
                                       <p:cBhvr>
-                                        <p:cTn id="81" dur="500"/>
+                                        <p:cTn id="85" dur="500"/>
                                         <p:tgtEl>
                                           <p:spTgt spid="60"/>
                                         </p:tgtEl>
